--- a/ietf123-draft-stone-spring-mpte-sr.pptx
+++ b/ietf123-draft-stone-spring-mpte-sr.pptx
@@ -1333,22 +1333,6 @@
           </ac:spMkLst>
         </pc:spChg>
         <pc:spChg chg="add mod">
-          <ac:chgData name="Andrew Stone (Nokia)" userId="5e693d72-0831-418e-b3bc-937f682be9d6" providerId="ADAL" clId="{4DCC55E4-3C89-8D46-8747-B91E96745DA3}" dt="2025-05-07T13:53:28.887" v="3801" actId="20577"/>
-          <ac:spMkLst>
-            <pc:docMk/>
-            <pc:sldMk cId="3270141686" sldId="264"/>
-            <ac:spMk id="11" creationId="{686354AD-1C04-4D57-E159-E1302CEA5A00}"/>
-          </ac:spMkLst>
-        </pc:spChg>
-        <pc:spChg chg="add mod">
-          <ac:chgData name="Andrew Stone (Nokia)" userId="5e693d72-0831-418e-b3bc-937f682be9d6" providerId="ADAL" clId="{4DCC55E4-3C89-8D46-8747-B91E96745DA3}" dt="2025-05-07T14:51:10.028" v="6897" actId="1076"/>
-          <ac:spMkLst>
-            <pc:docMk/>
-            <pc:sldMk cId="3270141686" sldId="264"/>
-            <ac:spMk id="12" creationId="{544272D5-8F7F-2FFC-FBBB-C97C5AB3ECCF}"/>
-          </ac:spMkLst>
-        </pc:spChg>
-        <pc:spChg chg="add mod">
           <ac:chgData name="Andrew Stone (Nokia)" userId="5e693d72-0831-418e-b3bc-937f682be9d6" providerId="ADAL" clId="{4DCC55E4-3C89-8D46-8747-B91E96745DA3}" dt="2025-05-07T13:53:34.944" v="3805" actId="20577"/>
           <ac:spMkLst>
             <pc:docMk/>
@@ -1458,14 +1442,6 @@
             <pc:docMk/>
             <pc:sldMk cId="3270141686" sldId="264"/>
             <ac:spMk id="466" creationId="{AD715998-9C67-28A9-5C56-A41FB4E7F3BF}"/>
-          </ac:spMkLst>
-        </pc:spChg>
-        <pc:spChg chg="mod">
-          <ac:chgData name="Andrew Stone (Nokia)" userId="5e693d72-0831-418e-b3bc-937f682be9d6" providerId="ADAL" clId="{4DCC55E4-3C89-8D46-8747-B91E96745DA3}" dt="2025-05-07T14:51:10.028" v="6897" actId="1076"/>
-          <ac:spMkLst>
-            <pc:docMk/>
-            <pc:sldMk cId="3270141686" sldId="264"/>
-            <ac:spMk id="470" creationId="{43A0C6BD-6C34-4748-C629-ACCB70784858}"/>
           </ac:spMkLst>
         </pc:spChg>
         <pc:spChg chg="mod">
@@ -1804,8 +1780,8 @@
   </pc:docChgLst>
   <pc:docChgLst>
     <pc:chgData name="Andrew Stone (Nokia)" userId="5e693d72-0831-418e-b3bc-937f682be9d6" providerId="ADAL" clId="{30B01BEE-134E-374E-8D60-C4E0F0DC5F2E}"/>
-    <pc:docChg chg="custSel modSld">
-      <pc:chgData name="Andrew Stone (Nokia)" userId="5e693d72-0831-418e-b3bc-937f682be9d6" providerId="ADAL" clId="{30B01BEE-134E-374E-8D60-C4E0F0DC5F2E}" dt="2025-06-22T23:00:39.531" v="81" actId="20577"/>
+    <pc:docChg chg="undo custSel modSld">
+      <pc:chgData name="Andrew Stone (Nokia)" userId="5e693d72-0831-418e-b3bc-937f682be9d6" providerId="ADAL" clId="{30B01BEE-134E-374E-8D60-C4E0F0DC5F2E}" dt="2025-07-12T05:25:56.781" v="696" actId="33524"/>
       <pc:docMkLst>
         <pc:docMk/>
       </pc:docMkLst>
@@ -1821,6 +1797,159 @@
             <pc:docMk/>
             <pc:sldMk cId="705808974" sldId="256"/>
             <ac:spMk id="4" creationId="{212D715C-4ACC-1948-821B-9DA38B3DB0BA}"/>
+          </ac:spMkLst>
+        </pc:spChg>
+      </pc:sldChg>
+      <pc:sldChg chg="modSp mod">
+        <pc:chgData name="Andrew Stone (Nokia)" userId="5e693d72-0831-418e-b3bc-937f682be9d6" providerId="ADAL" clId="{30B01BEE-134E-374E-8D60-C4E0F0DC5F2E}" dt="2025-07-12T05:18:34.271" v="209" actId="20577"/>
+        <pc:sldMkLst>
+          <pc:docMk/>
+          <pc:sldMk cId="2754887948" sldId="260"/>
+        </pc:sldMkLst>
+        <pc:spChg chg="mod">
+          <ac:chgData name="Andrew Stone (Nokia)" userId="5e693d72-0831-418e-b3bc-937f682be9d6" providerId="ADAL" clId="{30B01BEE-134E-374E-8D60-C4E0F0DC5F2E}" dt="2025-07-12T05:18:34.271" v="209" actId="20577"/>
+          <ac:spMkLst>
+            <pc:docMk/>
+            <pc:sldMk cId="2754887948" sldId="260"/>
+            <ac:spMk id="20" creationId="{0931796B-1FD3-5E48-83E4-DEBB9AFDB1D5}"/>
+          </ac:spMkLst>
+        </pc:spChg>
+      </pc:sldChg>
+      <pc:sldChg chg="modSp mod">
+        <pc:chgData name="Andrew Stone (Nokia)" userId="5e693d72-0831-418e-b3bc-937f682be9d6" providerId="ADAL" clId="{30B01BEE-134E-374E-8D60-C4E0F0DC5F2E}" dt="2025-07-12T05:21:04.629" v="323" actId="115"/>
+        <pc:sldMkLst>
+          <pc:docMk/>
+          <pc:sldMk cId="975666976" sldId="262"/>
+        </pc:sldMkLst>
+        <pc:spChg chg="mod">
+          <ac:chgData name="Andrew Stone (Nokia)" userId="5e693d72-0831-418e-b3bc-937f682be9d6" providerId="ADAL" clId="{30B01BEE-134E-374E-8D60-C4E0F0DC5F2E}" dt="2025-07-12T05:21:04.629" v="323" actId="115"/>
+          <ac:spMkLst>
+            <pc:docMk/>
+            <pc:sldMk cId="975666976" sldId="262"/>
+            <ac:spMk id="3" creationId="{E60AE7E7-7215-E035-FB36-1C9B8463BB94}"/>
+          </ac:spMkLst>
+        </pc:spChg>
+      </pc:sldChg>
+      <pc:sldChg chg="modSp mod">
+        <pc:chgData name="Andrew Stone (Nokia)" userId="5e693d72-0831-418e-b3bc-937f682be9d6" providerId="ADAL" clId="{30B01BEE-134E-374E-8D60-C4E0F0DC5F2E}" dt="2025-07-12T05:23:13.071" v="498" actId="20577"/>
+        <pc:sldMkLst>
+          <pc:docMk/>
+          <pc:sldMk cId="1060861848" sldId="263"/>
+        </pc:sldMkLst>
+        <pc:spChg chg="mod">
+          <ac:chgData name="Andrew Stone (Nokia)" userId="5e693d72-0831-418e-b3bc-937f682be9d6" providerId="ADAL" clId="{30B01BEE-134E-374E-8D60-C4E0F0DC5F2E}" dt="2025-07-12T05:21:19.712" v="337" actId="255"/>
+          <ac:spMkLst>
+            <pc:docMk/>
+            <pc:sldMk cId="1060861848" sldId="263"/>
+            <ac:spMk id="2" creationId="{1D4684F4-B9F1-7173-2E96-3B95C143B18E}"/>
+          </ac:spMkLst>
+        </pc:spChg>
+        <pc:spChg chg="mod">
+          <ac:chgData name="Andrew Stone (Nokia)" userId="5e693d72-0831-418e-b3bc-937f682be9d6" providerId="ADAL" clId="{30B01BEE-134E-374E-8D60-C4E0F0DC5F2E}" dt="2025-07-12T05:23:13.071" v="498" actId="20577"/>
+          <ac:spMkLst>
+            <pc:docMk/>
+            <pc:sldMk cId="1060861848" sldId="263"/>
+            <ac:spMk id="3" creationId="{CB64860B-4463-D95A-F4DF-8B2A9E97871A}"/>
+          </ac:spMkLst>
+        </pc:spChg>
+      </pc:sldChg>
+      <pc:sldChg chg="addSp delSp modSp mod">
+        <pc:chgData name="Andrew Stone (Nokia)" userId="5e693d72-0831-418e-b3bc-937f682be9d6" providerId="ADAL" clId="{30B01BEE-134E-374E-8D60-C4E0F0DC5F2E}" dt="2025-06-25T18:28:01.322" v="104" actId="11529"/>
+        <pc:sldMkLst>
+          <pc:docMk/>
+          <pc:sldMk cId="3270141686" sldId="264"/>
+        </pc:sldMkLst>
+        <pc:spChg chg="add del">
+          <ac:chgData name="Andrew Stone (Nokia)" userId="5e693d72-0831-418e-b3bc-937f682be9d6" providerId="ADAL" clId="{30B01BEE-134E-374E-8D60-C4E0F0DC5F2E}" dt="2025-06-25T18:27:27" v="103" actId="478"/>
+          <ac:spMkLst>
+            <pc:docMk/>
+            <pc:sldMk cId="3270141686" sldId="264"/>
+            <ac:spMk id="11" creationId="{686354AD-1C04-4D57-E159-E1302CEA5A00}"/>
+          </ac:spMkLst>
+        </pc:spChg>
+        <pc:spChg chg="add del mod">
+          <ac:chgData name="Andrew Stone (Nokia)" userId="5e693d72-0831-418e-b3bc-937f682be9d6" providerId="ADAL" clId="{30B01BEE-134E-374E-8D60-C4E0F0DC5F2E}" dt="2025-06-25T18:27:26.440" v="100" actId="6549"/>
+          <ac:spMkLst>
+            <pc:docMk/>
+            <pc:sldMk cId="3270141686" sldId="264"/>
+            <ac:spMk id="12" creationId="{544272D5-8F7F-2FFC-FBBB-C97C5AB3ECCF}"/>
+          </ac:spMkLst>
+        </pc:spChg>
+        <pc:spChg chg="mod">
+          <ac:chgData name="Andrew Stone (Nokia)" userId="5e693d72-0831-418e-b3bc-937f682be9d6" providerId="ADAL" clId="{30B01BEE-134E-374E-8D60-C4E0F0DC5F2E}" dt="2025-06-25T18:26:18.102" v="88" actId="20577"/>
+          <ac:spMkLst>
+            <pc:docMk/>
+            <pc:sldMk cId="3270141686" sldId="264"/>
+            <ac:spMk id="17" creationId="{2FE07E7B-0653-592A-53E6-50E48DA3FAEA}"/>
+          </ac:spMkLst>
+        </pc:spChg>
+        <pc:spChg chg="add del">
+          <ac:chgData name="Andrew Stone (Nokia)" userId="5e693d72-0831-418e-b3bc-937f682be9d6" providerId="ADAL" clId="{30B01BEE-134E-374E-8D60-C4E0F0DC5F2E}" dt="2025-06-25T18:27:26.607" v="101" actId="478"/>
+          <ac:spMkLst>
+            <pc:docMk/>
+            <pc:sldMk cId="3270141686" sldId="264"/>
+            <ac:spMk id="470" creationId="{43A0C6BD-6C34-4748-C629-ACCB70784858}"/>
+          </ac:spMkLst>
+        </pc:spChg>
+        <pc:spChg chg="add del">
+          <ac:chgData name="Andrew Stone (Nokia)" userId="5e693d72-0831-418e-b3bc-937f682be9d6" providerId="ADAL" clId="{30B01BEE-134E-374E-8D60-C4E0F0DC5F2E}" dt="2025-06-25T18:27:26.792" v="102" actId="478"/>
+          <ac:spMkLst>
+            <pc:docMk/>
+            <pc:sldMk cId="3270141686" sldId="264"/>
+            <ac:spMk id="520" creationId="{31D15A7E-66B3-B520-D544-7A9D80F3A72D}"/>
+          </ac:spMkLst>
+        </pc:spChg>
+        <pc:cxnChg chg="add">
+          <ac:chgData name="Andrew Stone (Nokia)" userId="5e693d72-0831-418e-b3bc-937f682be9d6" providerId="ADAL" clId="{30B01BEE-134E-374E-8D60-C4E0F0DC5F2E}" dt="2025-06-25T18:28:01.322" v="104" actId="11529"/>
+          <ac:cxnSpMkLst>
+            <pc:docMk/>
+            <pc:sldMk cId="3270141686" sldId="264"/>
+            <ac:cxnSpMk id="4" creationId="{FE74AA1C-050F-6E91-902F-E5B779FADB33}"/>
+          </ac:cxnSpMkLst>
+        </pc:cxnChg>
+      </pc:sldChg>
+      <pc:sldChg chg="modSp mod">
+        <pc:chgData name="Andrew Stone (Nokia)" userId="5e693d72-0831-418e-b3bc-937f682be9d6" providerId="ADAL" clId="{30B01BEE-134E-374E-8D60-C4E0F0DC5F2E}" dt="2025-07-12T05:23:22.445" v="506" actId="20577"/>
+        <pc:sldMkLst>
+          <pc:docMk/>
+          <pc:sldMk cId="3992813234" sldId="265"/>
+        </pc:sldMkLst>
+        <pc:spChg chg="mod">
+          <ac:chgData name="Andrew Stone (Nokia)" userId="5e693d72-0831-418e-b3bc-937f682be9d6" providerId="ADAL" clId="{30B01BEE-134E-374E-8D60-C4E0F0DC5F2E}" dt="2025-07-12T05:23:22.445" v="506" actId="20577"/>
+          <ac:spMkLst>
+            <pc:docMk/>
+            <pc:sldMk cId="3992813234" sldId="265"/>
+            <ac:spMk id="3" creationId="{2C4FB53B-2DA7-2AC2-4BD6-705D406C50DF}"/>
+          </ac:spMkLst>
+        </pc:spChg>
+      </pc:sldChg>
+      <pc:sldChg chg="modSp mod">
+        <pc:chgData name="Andrew Stone (Nokia)" userId="5e693d72-0831-418e-b3bc-937f682be9d6" providerId="ADAL" clId="{30B01BEE-134E-374E-8D60-C4E0F0DC5F2E}" dt="2025-07-12T05:25:56.781" v="696" actId="33524"/>
+        <pc:sldMkLst>
+          <pc:docMk/>
+          <pc:sldMk cId="1282159291" sldId="266"/>
+        </pc:sldMkLst>
+        <pc:spChg chg="mod">
+          <ac:chgData name="Andrew Stone (Nokia)" userId="5e693d72-0831-418e-b3bc-937f682be9d6" providerId="ADAL" clId="{30B01BEE-134E-374E-8D60-C4E0F0DC5F2E}" dt="2025-07-12T05:25:56.781" v="696" actId="33524"/>
+          <ac:spMkLst>
+            <pc:docMk/>
+            <pc:sldMk cId="1282159291" sldId="266"/>
+            <ac:spMk id="3" creationId="{397B1838-DC99-AE18-0EEE-73C60B4789D3}"/>
+          </ac:spMkLst>
+        </pc:spChg>
+      </pc:sldChg>
+      <pc:sldChg chg="modSp mod">
+        <pc:chgData name="Andrew Stone (Nokia)" userId="5e693d72-0831-418e-b3bc-937f682be9d6" providerId="ADAL" clId="{30B01BEE-134E-374E-8D60-C4E0F0DC5F2E}" dt="2025-07-12T05:19:18.340" v="268" actId="20577"/>
+        <pc:sldMkLst>
+          <pc:docMk/>
+          <pc:sldMk cId="667978388" sldId="268"/>
+        </pc:sldMkLst>
+        <pc:spChg chg="mod">
+          <ac:chgData name="Andrew Stone (Nokia)" userId="5e693d72-0831-418e-b3bc-937f682be9d6" providerId="ADAL" clId="{30B01BEE-134E-374E-8D60-C4E0F0DC5F2E}" dt="2025-07-12T05:19:18.340" v="268" actId="20577"/>
+          <ac:spMkLst>
+            <pc:docMk/>
+            <pc:sldMk cId="667978388" sldId="268"/>
+            <ac:spMk id="3" creationId="{AF8837F3-057D-E985-5867-810F0524CC9A}"/>
           </ac:spMkLst>
         </pc:spChg>
       </pc:sldChg>
@@ -1935,7 +2064,7 @@
           <a:p>
             <a:fld id="{01BC8E05-7B12-154C-9D4F-5CA98AA7EAAB}" type="datetimeFigureOut">
               <a:rPr lang="en-US" smtClean="0"/>
-              <a:t>6/22/25</a:t>
+              <a:t>7/12/25</a:t>
             </a:fld>
             <a:endParaRPr lang="en-US"/>
           </a:p>
@@ -3297,7 +3426,7 @@
           <a:p>
             <a:fld id="{18F6D11B-8B0D-384A-9C40-D14D89A769D2}" type="datetimeFigureOut">
               <a:rPr lang="en-US" smtClean="0"/>
-              <a:t>6/22/25</a:t>
+              <a:t>7/12/25</a:t>
             </a:fld>
             <a:endParaRPr lang="en-US"/>
           </a:p>
@@ -3495,7 +3624,7 @@
           <a:p>
             <a:fld id="{18F6D11B-8B0D-384A-9C40-D14D89A769D2}" type="datetimeFigureOut">
               <a:rPr lang="en-US" smtClean="0"/>
-              <a:t>6/22/25</a:t>
+              <a:t>7/12/25</a:t>
             </a:fld>
             <a:endParaRPr lang="en-US"/>
           </a:p>
@@ -3703,7 +3832,7 @@
           <a:p>
             <a:fld id="{18F6D11B-8B0D-384A-9C40-D14D89A769D2}" type="datetimeFigureOut">
               <a:rPr lang="en-US" smtClean="0"/>
-              <a:t>6/22/25</a:t>
+              <a:t>7/12/25</a:t>
             </a:fld>
             <a:endParaRPr lang="en-US"/>
           </a:p>
@@ -3901,7 +4030,7 @@
           <a:p>
             <a:fld id="{18F6D11B-8B0D-384A-9C40-D14D89A769D2}" type="datetimeFigureOut">
               <a:rPr lang="en-US" smtClean="0"/>
-              <a:t>6/22/25</a:t>
+              <a:t>7/12/25</a:t>
             </a:fld>
             <a:endParaRPr lang="en-US"/>
           </a:p>
@@ -4176,7 +4305,7 @@
           <a:p>
             <a:fld id="{18F6D11B-8B0D-384A-9C40-D14D89A769D2}" type="datetimeFigureOut">
               <a:rPr lang="en-US" smtClean="0"/>
-              <a:t>6/22/25</a:t>
+              <a:t>7/12/25</a:t>
             </a:fld>
             <a:endParaRPr lang="en-US"/>
           </a:p>
@@ -4441,7 +4570,7 @@
           <a:p>
             <a:fld id="{18F6D11B-8B0D-384A-9C40-D14D89A769D2}" type="datetimeFigureOut">
               <a:rPr lang="en-US" smtClean="0"/>
-              <a:t>6/22/25</a:t>
+              <a:t>7/12/25</a:t>
             </a:fld>
             <a:endParaRPr lang="en-US"/>
           </a:p>
@@ -4853,7 +4982,7 @@
           <a:p>
             <a:fld id="{18F6D11B-8B0D-384A-9C40-D14D89A769D2}" type="datetimeFigureOut">
               <a:rPr lang="en-US" smtClean="0"/>
-              <a:t>6/22/25</a:t>
+              <a:t>7/12/25</a:t>
             </a:fld>
             <a:endParaRPr lang="en-US"/>
           </a:p>
@@ -4994,7 +5123,7 @@
           <a:p>
             <a:fld id="{18F6D11B-8B0D-384A-9C40-D14D89A769D2}" type="datetimeFigureOut">
               <a:rPr lang="en-US" smtClean="0"/>
-              <a:t>6/22/25</a:t>
+              <a:t>7/12/25</a:t>
             </a:fld>
             <a:endParaRPr lang="en-US"/>
           </a:p>
@@ -5107,7 +5236,7 @@
           <a:p>
             <a:fld id="{18F6D11B-8B0D-384A-9C40-D14D89A769D2}" type="datetimeFigureOut">
               <a:rPr lang="en-US" smtClean="0"/>
-              <a:t>6/22/25</a:t>
+              <a:t>7/12/25</a:t>
             </a:fld>
             <a:endParaRPr lang="en-US"/>
           </a:p>
@@ -5418,7 +5547,7 @@
           <a:p>
             <a:fld id="{18F6D11B-8B0D-384A-9C40-D14D89A769D2}" type="datetimeFigureOut">
               <a:rPr lang="en-US" smtClean="0"/>
-              <a:t>6/22/25</a:t>
+              <a:t>7/12/25</a:t>
             </a:fld>
             <a:endParaRPr lang="en-US"/>
           </a:p>
@@ -5706,7 +5835,7 @@
           <a:p>
             <a:fld id="{18F6D11B-8B0D-384A-9C40-D14D89A769D2}" type="datetimeFigureOut">
               <a:rPr lang="en-US" smtClean="0"/>
-              <a:t>6/22/25</a:t>
+              <a:t>7/12/25</a:t>
             </a:fld>
             <a:endParaRPr lang="en-US"/>
           </a:p>
@@ -5947,7 +6076,7 @@
           <a:p>
             <a:fld id="{18F6D11B-8B0D-384A-9C40-D14D89A769D2}" type="datetimeFigureOut">
               <a:rPr lang="en-US" smtClean="0"/>
-              <a:t>6/22/25</a:t>
+              <a:t>7/12/25</a:t>
             </a:fld>
             <a:endParaRPr lang="en-US"/>
           </a:p>
@@ -6766,7 +6895,7 @@
         <p:spPr>
           <a:xfrm>
             <a:off x="433786" y="1333064"/>
-            <a:ext cx="9396014" cy="2126864"/>
+            <a:ext cx="9396014" cy="1711366"/>
           </a:xfrm>
           <a:prstGeom prst="rect">
             <a:avLst/>
@@ -6788,7 +6917,7 @@
             </a:pPr>
             <a:r>
               <a:rPr lang="en-US" dirty="0"/>
-              <a:t>New extensions requested or defined -&gt; not yet</a:t>
+              <a:t>No new extensions defined...yet</a:t>
             </a:r>
           </a:p>
           <a:p>
@@ -6801,7 +6930,7 @@
             </a:pPr>
             <a:r>
               <a:rPr lang="en-US" dirty="0"/>
-              <a:t>Standards track for now, but mainly informational content in document</a:t>
+              <a:t>Standards track for now – primarily informational content in document</a:t>
             </a:r>
           </a:p>
           <a:p>
@@ -6841,19 +6970,6 @@
             <a:r>
               <a:rPr lang="en-US" dirty="0"/>
               <a:t>May need extensions to deal with optimization/make before break scenarios</a:t>
-            </a:r>
-          </a:p>
-          <a:p>
-            <a:pPr marL="800100" lvl="1" indent="-342900">
-              <a:lnSpc>
-                <a:spcPct val="150000"/>
-              </a:lnSpc>
-              <a:buFont typeface="Arial" panose="020B0604020202020204" pitchFamily="34" charset="0"/>
-              <a:buChar char="•"/>
-            </a:pPr>
-            <a:r>
-              <a:rPr lang="en-US" dirty="0"/>
-              <a:t>As MPTE evolves, this document may also need evolve with new/other things</a:t>
             </a:r>
           </a:p>
         </p:txBody>
@@ -6958,7 +7074,7 @@
             </a:pPr>
             <a:r>
               <a:rPr lang="en-US" dirty="0"/>
-              <a:t>Open to discussions and feedback on this topic</a:t>
+              <a:t>Open to discussions, feedback and collaboration</a:t>
             </a:r>
           </a:p>
           <a:p>
@@ -7000,7 +7116,7 @@
             </a:pPr>
             <a:r>
               <a:rPr lang="en-US" dirty="0"/>
-              <a:t>Decide what to do about MID/Version / Color attribute of the Junction Segment if using SR Policy construct</a:t>
+              <a:t>Decide on MID/Version/Color attribute – new segment type(?)</a:t>
             </a:r>
             <a:endParaRPr lang="en-US" dirty="0">
               <a:ea typeface="Calibri"/>
@@ -7017,15 +7133,7 @@
             </a:pPr>
             <a:r>
               <a:rPr lang="en-US" dirty="0"/>
-              <a:t>Determine procedure details for optimization/</a:t>
-            </a:r>
-            <a:r>
-              <a:rPr lang="en-US" dirty="0" err="1"/>
-              <a:t>mbb</a:t>
-            </a:r>
-            <a:r>
-              <a:rPr lang="en-US" dirty="0"/>
-              <a:t> and whether that requires extensions</a:t>
+              <a:t>Determine procedure details for optimization/MBB</a:t>
             </a:r>
           </a:p>
         </p:txBody>
@@ -15793,7 +15901,7 @@
             </a:r>
             <a:r>
               <a:rPr lang="en-US" dirty="0"/>
-              <a:t> solution to compute and signal a MPTE DAG for </a:t>
+              <a:t> solution to compute and signal MPTE DAG for </a:t>
             </a:r>
             <a:r>
               <a:rPr lang="en-US" u="sng" dirty="0"/>
@@ -15810,7 +15918,7 @@
             </a:pPr>
             <a:r>
               <a:rPr lang="en-US" dirty="0"/>
-              <a:t>Uses a Controller/PCE to compute, and PCEP/BGP/Netconf to signal (existing protocols)</a:t>
+              <a:t>Controller/PCE to compute, PCEP/BGP/Netconf to signal</a:t>
             </a:r>
           </a:p>
           <a:p>
@@ -15849,7 +15957,7 @@
             </a:pPr>
             <a:r>
               <a:rPr lang="en-US" dirty="0"/>
-              <a:t>Similarity to Replication Segment - except load balanced, not replicated</a:t>
+              <a:t>Similarity to Replication Segment - but load balanced, not replicated</a:t>
             </a:r>
             <a:endParaRPr lang="en-US" dirty="0">
               <a:ea typeface="Calibri"/>
@@ -15935,7 +16043,15 @@
             </a:pPr>
             <a:r>
               <a:rPr lang="en-US" dirty="0"/>
-              <a:t>A Junction segment is implemented with SR Policy with a single candidate path</a:t>
+              <a:t>A Junction segment is </a:t>
+            </a:r>
+            <a:r>
+              <a:rPr lang="en-US" i="1" u="sng" dirty="0"/>
+              <a:t>realized</a:t>
+            </a:r>
+            <a:r>
+              <a:rPr lang="en-US" dirty="0"/>
+              <a:t> with SR Policy with a single candidate path</a:t>
             </a:r>
           </a:p>
           <a:p>
@@ -16141,12 +16257,14 @@
           </a:xfrm>
         </p:spPr>
         <p:txBody>
-          <a:bodyPr/>
-          <a:lstStyle/>
-          <a:p>
-            <a:r>
-              <a:rPr lang="en-US" dirty="0"/>
-              <a:t>….just use SR Policy w/multiple segment lists</a:t>
+          <a:bodyPr>
+            <a:normAutofit/>
+          </a:bodyPr>
+          <a:lstStyle/>
+          <a:p>
+            <a:r>
+              <a:rPr lang="en-US" sz="3600" dirty="0"/>
+              <a:t>….but just use SR Policy w/multiple segment lists</a:t>
             </a:r>
           </a:p>
         </p:txBody>
@@ -16166,7 +16284,7 @@
         <p:spPr>
           <a:xfrm>
             <a:off x="433785" y="1340621"/>
-            <a:ext cx="11241818" cy="3788858"/>
+            <a:ext cx="11241818" cy="3373359"/>
           </a:xfrm>
           <a:prstGeom prst="rect">
             <a:avLst/>
@@ -16207,7 +16325,7 @@
             </a:pPr>
             <a:r>
               <a:rPr lang="en-US" dirty="0"/>
-              <a:t>But… depending on the topological graph and size of the DAG, this could be a significant number of paths.</a:t>
+              <a:t>But… depending on the topological graph and size of the DAD, this could be a significant number of paths.</a:t>
             </a:r>
           </a:p>
           <a:p>
@@ -16226,8 +16344,12 @@
             </a:pPr>
             <a:r>
               <a:rPr lang="en-US" dirty="0"/>
-              <a:t>MSD of the SID stack as you deviate more from shortest path could also be of concern.</a:t>
-            </a:r>
+              <a:t>+ Deviating shortest path significantly can impact MSD of the SID list</a:t>
+            </a:r>
+            <a:endParaRPr lang="en-US" dirty="0">
+              <a:ea typeface="Calibri" panose="020F0502020204030204"/>
+              <a:cs typeface="Calibri" panose="020F0502020204030204"/>
+            </a:endParaRPr>
           </a:p>
           <a:p>
             <a:pPr algn="ctr">
@@ -16235,23 +16357,12 @@
                 <a:spcPct val="150000"/>
               </a:lnSpc>
             </a:pPr>
-            <a:endParaRPr lang="en-US" dirty="0">
-              <a:ea typeface="Calibri" panose="020F0502020204030204"/>
-              <a:cs typeface="Calibri" panose="020F0502020204030204"/>
-            </a:endParaRPr>
-          </a:p>
-          <a:p>
-            <a:pPr algn="ctr">
-              <a:lnSpc>
-                <a:spcPct val="150000"/>
-              </a:lnSpc>
-            </a:pPr>
             <a:r>
               <a:rPr lang="en-US" dirty="0">
                 <a:ea typeface="Calibri" panose="020F0502020204030204"/>
                 <a:cs typeface="Calibri" panose="020F0502020204030204"/>
               </a:rPr>
-              <a:t>Ingress only load balancing vs per junction node load balancing.</a:t>
+              <a:t>+ Ingress only load balancing vs per junction node load balancing.</a:t>
             </a:r>
           </a:p>
           <a:p>
@@ -16270,7 +16381,7 @@
             </a:pPr>
             <a:r>
               <a:rPr lang="en-US" dirty="0"/>
-              <a:t>Decision to use multiple SID lists or MPTE solution would be topologically dependent.</a:t>
+              <a:t>Decision to use many SID lists on headend or MPTE solution would be scenario dependent</a:t>
             </a:r>
           </a:p>
         </p:txBody>
@@ -17795,6 +17906,42 @@
           </a:p>
         </p:txBody>
       </p:sp>
+      <p:cxnSp>
+        <p:nvCxnSpPr>
+          <p:cNvPr id="4" name="Straight Connector 3">
+            <a:extLst>
+              <a:ext uri="{FF2B5EF4-FFF2-40B4-BE49-F238E27FC236}">
+                <a16:creationId xmlns:a16="http://schemas.microsoft.com/office/drawing/2014/main" id="{FE74AA1C-050F-6E91-902F-E5B779FADB33}"/>
+              </a:ext>
+            </a:extLst>
+          </p:cNvPr>
+          <p:cNvCxnSpPr/>
+          <p:nvPr/>
+        </p:nvCxnSpPr>
+        <p:spPr>
+          <a:xfrm>
+            <a:off x="3276095" y="3221386"/>
+            <a:ext cx="0" cy="314355"/>
+          </a:xfrm>
+          <a:prstGeom prst="line">
+            <a:avLst/>
+          </a:prstGeom>
+        </p:spPr>
+        <p:style>
+          <a:lnRef idx="1">
+            <a:schemeClr val="accent1"/>
+          </a:lnRef>
+          <a:fillRef idx="0">
+            <a:schemeClr val="accent1"/>
+          </a:fillRef>
+          <a:effectRef idx="0">
+            <a:schemeClr val="accent1"/>
+          </a:effectRef>
+          <a:fontRef idx="minor">
+            <a:schemeClr val="tx1"/>
+          </a:fontRef>
+        </p:style>
+      </p:cxnSp>
     </p:spTree>
     <p:extLst>
       <p:ext uri="{BB962C8B-B14F-4D97-AF65-F5344CB8AC3E}">
@@ -18026,7 +18173,7 @@
             </a:pPr>
             <a:r>
               <a:rPr lang="en-US" dirty="0"/>
-              <a:t>Implemented by SR Policy with a single candidate path</a:t>
+              <a:t>Realized by SR Policy with a single candidate path</a:t>
             </a:r>
           </a:p>
           <a:p>
@@ -20191,7 +20338,7 @@
         <p:spPr>
           <a:xfrm>
             <a:off x="350658" y="1584191"/>
-            <a:ext cx="11407556" cy="5450851"/>
+            <a:ext cx="11407556" cy="4619854"/>
           </a:xfrm>
           <a:prstGeom prst="rect">
             <a:avLst/>
@@ -20213,7 +20360,7 @@
             </a:pPr>
             <a:r>
               <a:rPr lang="en-US" dirty="0"/>
-              <a:t>Protocol support (signal/state feedback) – mostly already all there (TBD </a:t>
+              <a:t>Protocol support (signal/state feedback) – most already there (TBD </a:t>
             </a:r>
             <a:r>
               <a:rPr lang="en-US" dirty="0" err="1"/>
@@ -20238,7 +20385,20 @@
             </a:pPr>
             <a:r>
               <a:rPr lang="en-US" dirty="0"/>
-              <a:t>Junction Segment optimization - don’t need on every router - leap-frog transit with use of a SID list</a:t>
+              <a:t>Junction Segment optimization - don’t need on every router - leap-frog transit node(s) with SID list</a:t>
+            </a:r>
+          </a:p>
+          <a:p>
+            <a:pPr marL="342900" indent="-342900">
+              <a:lnSpc>
+                <a:spcPct val="150000"/>
+              </a:lnSpc>
+              <a:buFont typeface="Arial" panose="020B0604020202020204" pitchFamily="34" charset="0"/>
+              <a:buChar char="•"/>
+            </a:pPr>
+            <a:r>
+              <a:rPr lang="en-US" dirty="0"/>
+              <a:t>Protection - TI-LFA on each SID list as per usual</a:t>
             </a:r>
           </a:p>
           <a:p>
@@ -20250,11 +20410,8 @@
               <a:buChar char="•"/>
             </a:pPr>
             <a:r>
-              <a:rPr lang="en-US" dirty="0">
-                <a:ea typeface="Calibri" panose="020F0502020204030204"/>
-                <a:cs typeface="Calibri" panose="020F0502020204030204"/>
-              </a:rPr>
-              <a:t>+ECMP available between Junction segments -&gt; Node SID / Adjacency SID Sets..</a:t>
+              <a:rPr lang="en-US" dirty="0"/>
+              <a:t>Node protection for Junction node (the BSID) is a more complicated discussion…</a:t>
             </a:r>
           </a:p>
           <a:p>
@@ -20267,33 +20424,7 @@
             </a:pPr>
             <a:r>
               <a:rPr lang="en-US" dirty="0"/>
-              <a:t>Protection</a:t>
-            </a:r>
-          </a:p>
-          <a:p>
-            <a:pPr marL="800100" lvl="1" indent="-342900">
-              <a:lnSpc>
-                <a:spcPct val="150000"/>
-              </a:lnSpc>
-              <a:buFont typeface="Arial" panose="020B0604020202020204" pitchFamily="34" charset="0"/>
-              <a:buChar char="•"/>
-            </a:pPr>
-            <a:r>
-              <a:rPr lang="en-US" dirty="0"/>
-              <a:t>TI-LFA on each SID list as per usual</a:t>
-            </a:r>
-          </a:p>
-          <a:p>
-            <a:pPr marL="1257300" lvl="2" indent="-342900">
-              <a:lnSpc>
-                <a:spcPct val="150000"/>
-              </a:lnSpc>
-              <a:buFont typeface="Arial" panose="020B0604020202020204" pitchFamily="34" charset="0"/>
-              <a:buChar char="•"/>
-            </a:pPr>
-            <a:r>
-              <a:rPr lang="en-US" dirty="0"/>
-              <a:t>BSID node protection is a more complicated discussion…</a:t>
+              <a:t>Multi-egress -&gt; yes.    </a:t>
             </a:r>
           </a:p>
           <a:p>
@@ -20306,20 +20437,7 @@
             </a:pPr>
             <a:r>
               <a:rPr lang="en-US" dirty="0"/>
-              <a:t>Multi-egress -&gt; yes.    </a:t>
-            </a:r>
-          </a:p>
-          <a:p>
-            <a:pPr marL="342900" indent="-342900">
-              <a:lnSpc>
-                <a:spcPct val="150000"/>
-              </a:lnSpc>
-              <a:buFont typeface="Arial" panose="020B0604020202020204" pitchFamily="34" charset="0"/>
-              <a:buChar char="•"/>
-            </a:pPr>
-            <a:r>
-              <a:rPr lang="en-US" dirty="0"/>
-              <a:t>Multi-ingress -&gt; kind of… could be managed by controller but unclear how to “request” or describe API input</a:t>
+              <a:t>Multi-ingress -&gt; … could be managed by controller in a top-down manner</a:t>
             </a:r>
           </a:p>
           <a:p>
